--- a/Service 2021-10-10.pptx
+++ b/Service 2021-10-10.pptx
@@ -3126,7 +3126,7 @@
       <p:grpSpPr/>
       <p:pic>
         <p:nvPicPr>
-          <p:cNvPr id="4" name="Picture 3" descr="light_2.jpg"/>
+          <p:cNvPr id="4" name="Picture 3" descr="light_1.jpg"/>
           <p:cNvPicPr>
             <a:picLocks noChangeAspect="1"/>
           </p:cNvPicPr>
@@ -3214,7 +3214,7 @@
       <p:grpSpPr/>
       <p:pic>
         <p:nvPicPr>
-          <p:cNvPr id="2" name="Picture 1" descr="light_1.jpg"/>
+          <p:cNvPr id="2" name="Picture 1" descr="light_3.jpg"/>
           <p:cNvPicPr>
             <a:picLocks noChangeAspect="1"/>
           </p:cNvPicPr>
@@ -3417,7 +3417,7 @@
       <p:grpSpPr/>
       <p:pic>
         <p:nvPicPr>
-          <p:cNvPr id="2" name="Picture 1" descr="light_1.jpg"/>
+          <p:cNvPr id="2" name="Picture 1" descr="light_3.jpg"/>
           <p:cNvPicPr>
             <a:picLocks noChangeAspect="1"/>
           </p:cNvPicPr>
@@ -3633,7 +3633,7 @@
       <p:grpSpPr/>
       <p:pic>
         <p:nvPicPr>
-          <p:cNvPr id="2" name="Picture 1" descr="light_1.jpg"/>
+          <p:cNvPr id="2" name="Picture 1" descr="light_3.jpg"/>
           <p:cNvPicPr>
             <a:picLocks noChangeAspect="1"/>
           </p:cNvPicPr>
@@ -3836,7 +3836,7 @@
       <p:grpSpPr/>
       <p:pic>
         <p:nvPicPr>
-          <p:cNvPr id="2" name="Picture 1" descr="light_1.jpg"/>
+          <p:cNvPr id="2" name="Picture 1" descr="light_3.jpg"/>
           <p:cNvPicPr>
             <a:picLocks noChangeAspect="1"/>
           </p:cNvPicPr>
@@ -3893,9 +3893,9 @@
           </a:p>
           <a:p>
             <a:pPr>
-              <a:defRPr i="1" sz="1000" b="1">
-                <a:solidFill>
-                  <a:srgbClr val="800000"/>
+              <a:defRPr i="1" sz="1000">
+                <a:solidFill>
+                  <a:schemeClr val="dk1"/>
                 </a:solidFill>
               </a:defRPr>
             </a:pPr>
@@ -5103,7 +5103,7 @@
       <p:grpSpPr/>
       <p:pic>
         <p:nvPicPr>
-          <p:cNvPr id="2" name="Picture 1" descr="light_2.jpg"/>
+          <p:cNvPr id="2" name="Picture 1" descr="light_1.jpg"/>
           <p:cNvPicPr>
             <a:picLocks noChangeAspect="1"/>
           </p:cNvPicPr>
@@ -5337,9 +5337,9 @@
           </a:p>
           <a:p>
             <a:pPr>
-              <a:defRPr i="1" sz="1000" b="1">
-                <a:solidFill>
-                  <a:srgbClr val="800000"/>
+              <a:defRPr i="1" sz="1000">
+                <a:solidFill>
+                  <a:schemeClr val="dk1"/>
                 </a:solidFill>
               </a:defRPr>
             </a:pPr>
@@ -5483,7 +5483,7 @@
       <p:grpSpPr/>
       <p:pic>
         <p:nvPicPr>
-          <p:cNvPr id="4" name="Picture 3" descr="light_3.jpg"/>
+          <p:cNvPr id="4" name="Picture 3" descr="light_2.jpg"/>
           <p:cNvPicPr>
             <a:picLocks noChangeAspect="1"/>
           </p:cNvPicPr>
@@ -5571,7 +5571,7 @@
       <p:grpSpPr/>
       <p:pic>
         <p:nvPicPr>
-          <p:cNvPr id="2" name="Picture 1" descr="light_3.jpg"/>
+          <p:cNvPr id="2" name="Picture 1" descr="light_2.jpg"/>
           <p:cNvPicPr>
             <a:picLocks noChangeAspect="1"/>
           </p:cNvPicPr>
@@ -5748,7 +5748,7 @@
       <p:grpSpPr/>
       <p:pic>
         <p:nvPicPr>
-          <p:cNvPr id="2" name="Picture 1" descr="light_3.jpg"/>
+          <p:cNvPr id="2" name="Picture 1" descr="light_2.jpg"/>
           <p:cNvPicPr>
             <a:picLocks noChangeAspect="1"/>
           </p:cNvPicPr>
@@ -5925,7 +5925,7 @@
       <p:grpSpPr/>
       <p:pic>
         <p:nvPicPr>
-          <p:cNvPr id="2" name="Picture 1" descr="light_3.jpg"/>
+          <p:cNvPr id="2" name="Picture 1" descr="light_2.jpg"/>
           <p:cNvPicPr>
             <a:picLocks noChangeAspect="1"/>
           </p:cNvPicPr>
@@ -6102,7 +6102,7 @@
       <p:grpSpPr/>
       <p:pic>
         <p:nvPicPr>
-          <p:cNvPr id="2" name="Picture 1" descr="light_3.jpg"/>
+          <p:cNvPr id="2" name="Picture 1" descr="light_2.jpg"/>
           <p:cNvPicPr>
             <a:picLocks noChangeAspect="1"/>
           </p:cNvPicPr>
@@ -6159,9 +6159,9 @@
           </a:p>
           <a:p>
             <a:pPr>
-              <a:defRPr i="1" sz="1000" b="1">
-                <a:solidFill>
-                  <a:srgbClr val="800000"/>
+              <a:defRPr i="1" sz="1000">
+                <a:solidFill>
+                  <a:schemeClr val="dk1"/>
                 </a:solidFill>
               </a:defRPr>
             </a:pPr>
@@ -6279,7 +6279,7 @@
       <p:grpSpPr/>
       <p:pic>
         <p:nvPicPr>
-          <p:cNvPr id="4" name="Picture 3" descr="light_2.jpg"/>
+          <p:cNvPr id="4" name="Picture 3" descr="light_1.jpg"/>
           <p:cNvPicPr>
             <a:picLocks noChangeAspect="1"/>
           </p:cNvPicPr>
@@ -6367,7 +6367,7 @@
       <p:grpSpPr/>
       <p:pic>
         <p:nvPicPr>
-          <p:cNvPr id="2" name="Picture 1" descr="light_2.jpg"/>
+          <p:cNvPr id="2" name="Picture 1" descr="light_1.jpg"/>
           <p:cNvPicPr>
             <a:picLocks noChangeAspect="1"/>
           </p:cNvPicPr>
@@ -6583,7 +6583,7 @@
       <p:grpSpPr/>
       <p:pic>
         <p:nvPicPr>
-          <p:cNvPr id="2" name="Picture 1" descr="light_2.jpg"/>
+          <p:cNvPr id="2" name="Picture 1" descr="light_1.jpg"/>
           <p:cNvPicPr>
             <a:picLocks noChangeAspect="1"/>
           </p:cNvPicPr>
@@ -6640,9 +6640,9 @@
           </a:p>
           <a:p>
             <a:pPr>
-              <a:defRPr i="1" sz="1000" b="1">
-                <a:solidFill>
-                  <a:srgbClr val="800000"/>
+              <a:defRPr i="1" sz="1000">
+                <a:solidFill>
+                  <a:schemeClr val="dk1"/>
                 </a:solidFill>
               </a:defRPr>
             </a:pPr>
@@ -6773,7 +6773,7 @@
       <p:grpSpPr/>
       <p:pic>
         <p:nvPicPr>
-          <p:cNvPr id="4" name="Picture 3" descr="light_1.jpg"/>
+          <p:cNvPr id="4" name="Picture 3" descr="light_3.jpg"/>
           <p:cNvPicPr>
             <a:picLocks noChangeAspect="1"/>
           </p:cNvPicPr>
@@ -6861,7 +6861,7 @@
       <p:grpSpPr/>
       <p:pic>
         <p:nvPicPr>
-          <p:cNvPr id="2" name="Picture 1" descr="light_2.jpg"/>
+          <p:cNvPr id="2" name="Picture 1" descr="light_1.jpg"/>
           <p:cNvPicPr>
             <a:picLocks noChangeAspect="1"/>
           </p:cNvPicPr>
@@ -7038,7 +7038,7 @@
       <p:grpSpPr/>
       <p:pic>
         <p:nvPicPr>
-          <p:cNvPr id="2" name="Picture 1" descr="light_1.jpg"/>
+          <p:cNvPr id="2" name="Picture 1" descr="light_3.jpg"/>
           <p:cNvPicPr>
             <a:picLocks noChangeAspect="1"/>
           </p:cNvPicPr>
@@ -7102,7 +7102,7 @@
               </a:defRPr>
             </a:pPr>
             <a:r>
-              <a:t>(1/6)</a:t>
+              <a:t>(1/8)</a:t>
             </a:r>
           </a:p>
         </p:txBody>
@@ -7293,7 +7293,7 @@
       <p:grpSpPr/>
       <p:pic>
         <p:nvPicPr>
-          <p:cNvPr id="2" name="Picture 1" descr="light_1.jpg"/>
+          <p:cNvPr id="2" name="Picture 1" descr="light_3.jpg"/>
           <p:cNvPicPr>
             <a:picLocks noChangeAspect="1"/>
           </p:cNvPicPr>
@@ -7357,7 +7357,7 @@
               </a:defRPr>
             </a:pPr>
             <a:r>
-              <a:t>(2/6)</a:t>
+              <a:t>(2/8)</a:t>
             </a:r>
           </a:p>
         </p:txBody>
@@ -7496,7 +7496,7 @@
       <p:grpSpPr/>
       <p:pic>
         <p:nvPicPr>
-          <p:cNvPr id="2" name="Picture 1" descr="light_1.jpg"/>
+          <p:cNvPr id="2" name="Picture 1" descr="light_3.jpg"/>
           <p:cNvPicPr>
             <a:picLocks noChangeAspect="1"/>
           </p:cNvPicPr>
@@ -7560,7 +7560,7 @@
               </a:defRPr>
             </a:pPr>
             <a:r>
-              <a:t>(3/6)</a:t>
+              <a:t>(3/8)</a:t>
             </a:r>
           </a:p>
         </p:txBody>
@@ -7751,7 +7751,7 @@
       <p:grpSpPr/>
       <p:pic>
         <p:nvPicPr>
-          <p:cNvPr id="2" name="Picture 1" descr="light_1.jpg"/>
+          <p:cNvPr id="2" name="Picture 1" descr="light_3.jpg"/>
           <p:cNvPicPr>
             <a:picLocks noChangeAspect="1"/>
           </p:cNvPicPr>
@@ -7815,7 +7815,7 @@
               </a:defRPr>
             </a:pPr>
             <a:r>
-              <a:t>(4/6)</a:t>
+              <a:t>(4/8)</a:t>
             </a:r>
           </a:p>
         </p:txBody>
@@ -8006,7 +8006,7 @@
       <p:grpSpPr/>
       <p:pic>
         <p:nvPicPr>
-          <p:cNvPr id="2" name="Picture 1" descr="light_1.jpg"/>
+          <p:cNvPr id="2" name="Picture 1" descr="light_3.jpg"/>
           <p:cNvPicPr>
             <a:picLocks noChangeAspect="1"/>
           </p:cNvPicPr>
@@ -8070,7 +8070,7 @@
               </a:defRPr>
             </a:pPr>
             <a:r>
-              <a:t>(2/6)</a:t>
+              <a:t>(5/8)</a:t>
             </a:r>
           </a:p>
         </p:txBody>
@@ -8209,7 +8209,7 @@
       <p:grpSpPr/>
       <p:pic>
         <p:nvPicPr>
-          <p:cNvPr id="2" name="Picture 1" descr="light_1.jpg"/>
+          <p:cNvPr id="2" name="Picture 1" descr="light_3.jpg"/>
           <p:cNvPicPr>
             <a:picLocks noChangeAspect="1"/>
           </p:cNvPicPr>
@@ -8273,7 +8273,7 @@
               </a:defRPr>
             </a:pPr>
             <a:r>
-              <a:t>(5/6)</a:t>
+              <a:t>(6/8)</a:t>
             </a:r>
           </a:p>
         </p:txBody>
@@ -8464,7 +8464,7 @@
       <p:grpSpPr/>
       <p:pic>
         <p:nvPicPr>
-          <p:cNvPr id="2" name="Picture 1" descr="light_1.jpg"/>
+          <p:cNvPr id="2" name="Picture 1" descr="light_3.jpg"/>
           <p:cNvPicPr>
             <a:picLocks noChangeAspect="1"/>
           </p:cNvPicPr>
@@ -8521,14 +8521,14 @@
           </a:p>
           <a:p>
             <a:pPr>
-              <a:defRPr i="1" sz="1000" b="1">
-                <a:solidFill>
-                  <a:srgbClr val="800000"/>
-                </a:solidFill>
-              </a:defRPr>
-            </a:pPr>
-            <a:r>
-              <a:t>(6/6)</a:t>
+              <a:defRPr i="1" sz="1000">
+                <a:solidFill>
+                  <a:schemeClr val="dk1"/>
+                </a:solidFill>
+              </a:defRPr>
+            </a:pPr>
+            <a:r>
+              <a:t>(7/8)</a:t>
             </a:r>
           </a:p>
         </p:txBody>
@@ -8719,7 +8719,7 @@
       <p:grpSpPr/>
       <p:pic>
         <p:nvPicPr>
-          <p:cNvPr id="2" name="Picture 1" descr="light_1.jpg"/>
+          <p:cNvPr id="2" name="Picture 1" descr="light_3.jpg"/>
           <p:cNvPicPr>
             <a:picLocks noChangeAspect="1"/>
           </p:cNvPicPr>
@@ -8783,7 +8783,7 @@
               </a:defRPr>
             </a:pPr>
             <a:r>
-              <a:t>(2/6)</a:t>
+              <a:t>(8/8)</a:t>
             </a:r>
           </a:p>
         </p:txBody>
@@ -8922,7 +8922,7 @@
       <p:grpSpPr/>
       <p:pic>
         <p:nvPicPr>
-          <p:cNvPr id="2" name="Picture 1" descr="light_2.jpg"/>
+          <p:cNvPr id="2" name="Picture 1" descr="light_1.jpg"/>
           <p:cNvPicPr>
             <a:picLocks noChangeAspect="1"/>
           </p:cNvPicPr>
@@ -8979,9 +8979,9 @@
           </a:p>
           <a:p>
             <a:pPr>
-              <a:defRPr i="1" sz="1000" b="1">
-                <a:solidFill>
-                  <a:srgbClr val="800000"/>
+              <a:defRPr i="1" sz="1000">
+                <a:solidFill>
+                  <a:schemeClr val="dk1"/>
                 </a:solidFill>
               </a:defRPr>
             </a:pPr>
@@ -9099,7 +9099,7 @@
       <p:grpSpPr/>
       <p:pic>
         <p:nvPicPr>
-          <p:cNvPr id="4" name="Picture 3" descr="light_1.jpg"/>
+          <p:cNvPr id="4" name="Picture 3" descr="light_3.jpg"/>
           <p:cNvPicPr>
             <a:picLocks noChangeAspect="1"/>
           </p:cNvPicPr>
@@ -9187,7 +9187,7 @@
       <p:grpSpPr/>
       <p:pic>
         <p:nvPicPr>
-          <p:cNvPr id="2" name="Picture 1" descr="light_1.jpg"/>
+          <p:cNvPr id="2" name="Picture 1" descr="light_3.jpg"/>
           <p:cNvPicPr>
             <a:picLocks noChangeAspect="1"/>
           </p:cNvPicPr>
@@ -9390,7 +9390,7 @@
       <p:grpSpPr/>
       <p:pic>
         <p:nvPicPr>
-          <p:cNvPr id="2" name="Picture 1" descr="light_1.jpg"/>
+          <p:cNvPr id="2" name="Picture 1" descr="light_3.jpg"/>
           <p:cNvPicPr>
             <a:picLocks noChangeAspect="1"/>
           </p:cNvPicPr>
@@ -9606,7 +9606,7 @@
       <p:grpSpPr/>
       <p:pic>
         <p:nvPicPr>
-          <p:cNvPr id="2" name="Picture 1" descr="light_1.jpg"/>
+          <p:cNvPr id="2" name="Picture 1" descr="light_3.jpg"/>
           <p:cNvPicPr>
             <a:picLocks noChangeAspect="1"/>
           </p:cNvPicPr>
@@ -9809,7 +9809,7 @@
       <p:grpSpPr/>
       <p:pic>
         <p:nvPicPr>
-          <p:cNvPr id="2" name="Picture 1" descr="light_1.jpg"/>
+          <p:cNvPr id="2" name="Picture 1" descr="light_3.jpg"/>
           <p:cNvPicPr>
             <a:picLocks noChangeAspect="1"/>
           </p:cNvPicPr>
